--- a/Papers_Articles_Presentations/Articles_and_Announcements/DEFCON_Phase4Ground_Pitch_Deck.pptx
+++ b/Papers_Articles_Presentations/Articles_and_Announcements/DEFCON_Phase4Ground_Pitch_Deck.pptx
@@ -4844,7 +4844,9 @@
         </p:nvSpPr>
         <p:spPr/>
         <p:txBody>
-          <a:bodyPr/>
+          <a:bodyPr>
+            <a:normAutofit lnSpcReduction="10000"/>
+          </a:bodyPr>
           <a:lstStyle/>
           <a:p>
             <a:r>
@@ -4885,7 +4887,22 @@
             </a:r>
             <a:r>
               <a:rPr lang="en-US" dirty="0" smtClean="0"/>
-              <a:t>= project to design and build modular reconfigurable radios for the 5GHz up and 10GHz down AMSAT microwave digital payload band plan. Software, hardware, SDR, FPGA, RF, IF, baseband, you name it we got it! GNU Radio is our primary prototyping tool and we need multiple custom blocks to implement DVB-S2 receivers. There are several hundred of us on the interest list, and a couple dozen of those are active engineering and design volunteers. We need more!</a:t>
+              <a:t>= project to design and build modular reconfigurable radios for the 5GHz up and 10GHz down AMSAT microwave digital payload band plan. Software, hardware, SDR, FPGA, RF, IF, baseband, you name it we got it! GNU Radio is our primary prototyping tool and we need multiple custom blocks to </a:t>
+            </a:r>
+            <a:r>
+              <a:rPr lang="en-US" smtClean="0"/>
+              <a:t>implement </a:t>
+            </a:r>
+            <a:br>
+              <a:rPr lang="en-US" smtClean="0"/>
+            </a:br>
+            <a:r>
+              <a:rPr lang="en-US" smtClean="0"/>
+              <a:t>DVB</a:t>
+            </a:r>
+            <a:r>
+              <a:rPr lang="en-US" dirty="0" smtClean="0"/>
+              <a:t>-S2 receivers. There are several hundred of us on the interest list, and a couple dozen of those are active engineering and design volunteers. We need more!</a:t>
             </a:r>
           </a:p>
           <a:p>
